--- a/The Project Introduction.pptx
+++ b/The Project Introduction.pptx
@@ -211,7 +211,7 @@
           <a:p>
             <a:fld id="{85091940-A665-4C35-A274-023EB13CF173}" type="datetimeFigureOut">
               <a:rPr lang="zh-CN" altLang="en-US" smtClean="0"/>
-              <a:t>2022/4/25</a:t>
+              <a:t>2022/4/27</a:t>
             </a:fld>
             <a:endParaRPr lang="zh-CN" altLang="en-US"/>
           </a:p>
@@ -1111,7 +1111,7 @@
           <a:p>
             <a:fld id="{E18B45B9-2982-4130-BC01-91ACC789280B}" type="datetimeFigureOut">
               <a:rPr lang="zh-CN" altLang="en-US" smtClean="0"/>
-              <a:t>2022/4/25</a:t>
+              <a:t>2022/4/27</a:t>
             </a:fld>
             <a:endParaRPr lang="zh-CN" altLang="en-US"/>
           </a:p>
@@ -1279,7 +1279,7 @@
           <a:p>
             <a:fld id="{E18B45B9-2982-4130-BC01-91ACC789280B}" type="datetimeFigureOut">
               <a:rPr lang="zh-CN" altLang="en-US" smtClean="0"/>
-              <a:t>2022/4/25</a:t>
+              <a:t>2022/4/27</a:t>
             </a:fld>
             <a:endParaRPr lang="zh-CN" altLang="en-US"/>
           </a:p>
@@ -1457,7 +1457,7 @@
           <a:p>
             <a:fld id="{E18B45B9-2982-4130-BC01-91ACC789280B}" type="datetimeFigureOut">
               <a:rPr lang="zh-CN" altLang="en-US" smtClean="0"/>
-              <a:t>2022/4/25</a:t>
+              <a:t>2022/4/27</a:t>
             </a:fld>
             <a:endParaRPr lang="zh-CN" altLang="en-US"/>
           </a:p>
@@ -1625,7 +1625,7 @@
           <a:p>
             <a:fld id="{E18B45B9-2982-4130-BC01-91ACC789280B}" type="datetimeFigureOut">
               <a:rPr lang="zh-CN" altLang="en-US" smtClean="0"/>
-              <a:t>2022/4/25</a:t>
+              <a:t>2022/4/27</a:t>
             </a:fld>
             <a:endParaRPr lang="zh-CN" altLang="en-US"/>
           </a:p>
@@ -1870,7 +1870,7 @@
           <a:p>
             <a:fld id="{E18B45B9-2982-4130-BC01-91ACC789280B}" type="datetimeFigureOut">
               <a:rPr lang="zh-CN" altLang="en-US" smtClean="0"/>
-              <a:t>2022/4/25</a:t>
+              <a:t>2022/4/27</a:t>
             </a:fld>
             <a:endParaRPr lang="zh-CN" altLang="en-US"/>
           </a:p>
@@ -2099,7 +2099,7 @@
           <a:p>
             <a:fld id="{E18B45B9-2982-4130-BC01-91ACC789280B}" type="datetimeFigureOut">
               <a:rPr lang="zh-CN" altLang="en-US" smtClean="0"/>
-              <a:t>2022/4/25</a:t>
+              <a:t>2022/4/27</a:t>
             </a:fld>
             <a:endParaRPr lang="zh-CN" altLang="en-US"/>
           </a:p>
@@ -2463,7 +2463,7 @@
           <a:p>
             <a:fld id="{E18B45B9-2982-4130-BC01-91ACC789280B}" type="datetimeFigureOut">
               <a:rPr lang="zh-CN" altLang="en-US" smtClean="0"/>
-              <a:t>2022/4/25</a:t>
+              <a:t>2022/4/27</a:t>
             </a:fld>
             <a:endParaRPr lang="zh-CN" altLang="en-US"/>
           </a:p>
@@ -2580,7 +2580,7 @@
           <a:p>
             <a:fld id="{E18B45B9-2982-4130-BC01-91ACC789280B}" type="datetimeFigureOut">
               <a:rPr lang="zh-CN" altLang="en-US" smtClean="0"/>
-              <a:t>2022/4/25</a:t>
+              <a:t>2022/4/27</a:t>
             </a:fld>
             <a:endParaRPr lang="zh-CN" altLang="en-US"/>
           </a:p>
@@ -2675,7 +2675,7 @@
           <a:p>
             <a:fld id="{E18B45B9-2982-4130-BC01-91ACC789280B}" type="datetimeFigureOut">
               <a:rPr lang="zh-CN" altLang="en-US" smtClean="0"/>
-              <a:t>2022/4/25</a:t>
+              <a:t>2022/4/27</a:t>
             </a:fld>
             <a:endParaRPr lang="zh-CN" altLang="en-US"/>
           </a:p>
@@ -2950,7 +2950,7 @@
           <a:p>
             <a:fld id="{E18B45B9-2982-4130-BC01-91ACC789280B}" type="datetimeFigureOut">
               <a:rPr lang="zh-CN" altLang="en-US" smtClean="0"/>
-              <a:t>2022/4/25</a:t>
+              <a:t>2022/4/27</a:t>
             </a:fld>
             <a:endParaRPr lang="zh-CN" altLang="en-US"/>
           </a:p>
@@ -3202,7 +3202,7 @@
           <a:p>
             <a:fld id="{E18B45B9-2982-4130-BC01-91ACC789280B}" type="datetimeFigureOut">
               <a:rPr lang="zh-CN" altLang="en-US" smtClean="0"/>
-              <a:t>2022/4/25</a:t>
+              <a:t>2022/4/27</a:t>
             </a:fld>
             <a:endParaRPr lang="zh-CN" altLang="en-US"/>
           </a:p>
@@ -3413,7 +3413,7 @@
           <a:p>
             <a:fld id="{E18B45B9-2982-4130-BC01-91ACC789280B}" type="datetimeFigureOut">
               <a:rPr lang="zh-CN" altLang="en-US" smtClean="0"/>
-              <a:t>2022/4/25</a:t>
+              <a:t>2022/4/27</a:t>
             </a:fld>
             <a:endParaRPr lang="zh-CN" altLang="en-US"/>
           </a:p>
@@ -3904,6 +3904,17 @@
                 <a:ea typeface="华文细黑" panose="02010600040101010101" pitchFamily="2" charset="-122"/>
                 <a:cs typeface="Times New Roman" panose="02020603050405020304" pitchFamily="18" charset="0"/>
               </a:rPr>
+              <a:t>Team 2</a:t>
+            </a:r>
+          </a:p>
+          <a:p>
+            <a:pPr algn="l"/>
+            <a:r>
+              <a:rPr lang="en-US" altLang="zh-CN" sz="1800" b="1" dirty="0">
+                <a:latin typeface="Times New Roman" panose="02020603050405020304" pitchFamily="18" charset="0"/>
+                <a:ea typeface="华文细黑" panose="02010600040101010101" pitchFamily="2" charset="-122"/>
+                <a:cs typeface="Times New Roman" panose="02020603050405020304" pitchFamily="18" charset="0"/>
+              </a:rPr>
               <a:t>By </a:t>
             </a:r>
             <a:r>
@@ -4023,36 +4034,6 @@
       </p:sp>
       <p:pic>
         <p:nvPicPr>
-          <p:cNvPr id="6" name="图片 5">
-            <a:extLst>
-              <a:ext uri="{FF2B5EF4-FFF2-40B4-BE49-F238E27FC236}">
-                <a16:creationId xmlns:a16="http://schemas.microsoft.com/office/drawing/2014/main" id="{45B8848C-309E-4102-BBA7-FB27EF528A09}"/>
-              </a:ext>
-            </a:extLst>
-          </p:cNvPr>
-          <p:cNvPicPr>
-            <a:picLocks noChangeAspect="1"/>
-          </p:cNvPicPr>
-          <p:nvPr/>
-        </p:nvPicPr>
-        <p:blipFill>
-          <a:blip r:embed="rId2"/>
-          <a:stretch>
-            <a:fillRect/>
-          </a:stretch>
-        </p:blipFill>
-        <p:spPr>
-          <a:xfrm>
-            <a:off x="716716" y="3286339"/>
-            <a:ext cx="10758568" cy="2736325"/>
-          </a:xfrm>
-          <a:prstGeom prst="rect">
-            <a:avLst/>
-          </a:prstGeom>
-        </p:spPr>
-      </p:pic>
-      <p:pic>
-        <p:nvPicPr>
           <p:cNvPr id="10" name="图片 9">
             <a:extLst>
               <a:ext uri="{FF2B5EF4-FFF2-40B4-BE49-F238E27FC236}">
@@ -4066,7 +4047,7 @@
           <p:nvPr/>
         </p:nvPicPr>
         <p:blipFill>
-          <a:blip r:embed="rId3"/>
+          <a:blip r:embed="rId2"/>
           <a:stretch>
             <a:fillRect/>
           </a:stretch>
@@ -4096,7 +4077,7 @@
           <p:nvPr/>
         </p:nvPicPr>
         <p:blipFill>
-          <a:blip r:embed="rId4"/>
+          <a:blip r:embed="rId3"/>
           <a:stretch>
             <a:fillRect/>
           </a:stretch>
@@ -4105,6 +4086,65 @@
           <a:xfrm>
             <a:off x="1044456" y="1484890"/>
             <a:ext cx="2548547" cy="1457092"/>
+          </a:xfrm>
+          <a:prstGeom prst="rect">
+            <a:avLst/>
+          </a:prstGeom>
+        </p:spPr>
+      </p:pic>
+      <p:pic>
+        <p:nvPicPr>
+          <p:cNvPr id="4" name="图片 3">
+            <a:extLst>
+              <a:ext uri="{FF2B5EF4-FFF2-40B4-BE49-F238E27FC236}">
+                <a16:creationId xmlns:a16="http://schemas.microsoft.com/office/drawing/2014/main" id="{C6778C12-7A42-4E11-86B9-2F45E15A5CB1}"/>
+              </a:ext>
+            </a:extLst>
+          </p:cNvPr>
+          <p:cNvPicPr>
+            <a:picLocks noChangeAspect="1"/>
+          </p:cNvPicPr>
+          <p:nvPr/>
+        </p:nvPicPr>
+        <p:blipFill rotWithShape="1">
+          <a:blip r:embed="rId4"/>
+          <a:srcRect r="22151"/>
+          <a:stretch/>
+        </p:blipFill>
+        <p:spPr>
+          <a:xfrm>
+            <a:off x="948275" y="3429000"/>
+            <a:ext cx="7020067" cy="2388701"/>
+          </a:xfrm>
+          <a:prstGeom prst="rect">
+            <a:avLst/>
+          </a:prstGeom>
+        </p:spPr>
+      </p:pic>
+      <p:pic>
+        <p:nvPicPr>
+          <p:cNvPr id="7" name="图片 6">
+            <a:extLst>
+              <a:ext uri="{FF2B5EF4-FFF2-40B4-BE49-F238E27FC236}">
+                <a16:creationId xmlns:a16="http://schemas.microsoft.com/office/drawing/2014/main" id="{1371B394-D8E4-4D6E-9793-193C7E7E01D6}"/>
+              </a:ext>
+            </a:extLst>
+          </p:cNvPr>
+          <p:cNvPicPr>
+            <a:picLocks noChangeAspect="1"/>
+          </p:cNvPicPr>
+          <p:nvPr/>
+        </p:nvPicPr>
+        <p:blipFill>
+          <a:blip r:embed="rId5"/>
+          <a:stretch>
+            <a:fillRect/>
+          </a:stretch>
+        </p:blipFill>
+        <p:spPr>
+          <a:xfrm>
+            <a:off x="8124359" y="3429000"/>
+            <a:ext cx="3038475" cy="2609850"/>
           </a:xfrm>
           <a:prstGeom prst="rect">
             <a:avLst/>
@@ -4175,35 +4215,6 @@
           </a:p>
         </p:txBody>
       </p:sp>
-      <p:pic>
-        <p:nvPicPr>
-          <p:cNvPr id="5" name="内容占位符 4">
-            <a:extLst>
-              <a:ext uri="{FF2B5EF4-FFF2-40B4-BE49-F238E27FC236}">
-                <a16:creationId xmlns:a16="http://schemas.microsoft.com/office/drawing/2014/main" id="{E8271C2C-05D7-48D2-8107-0AC1AB2E99B8}"/>
-              </a:ext>
-            </a:extLst>
-          </p:cNvPr>
-          <p:cNvPicPr>
-            <a:picLocks noGrp="1" noChangeAspect="1"/>
-          </p:cNvPicPr>
-          <p:nvPr>
-            <p:ph idx="1"/>
-          </p:nvPr>
-        </p:nvPicPr>
-        <p:blipFill>
-          <a:blip r:embed="rId2"/>
-          <a:stretch>
-            <a:fillRect/>
-          </a:stretch>
-        </p:blipFill>
-        <p:spPr>
-          <a:xfrm>
-            <a:off x="6283010" y="1920224"/>
-            <a:ext cx="2582314" cy="4351338"/>
-          </a:xfrm>
-        </p:spPr>
-      </p:pic>
       <p:sp>
         <p:nvSpPr>
           <p:cNvPr id="6" name="文本框 5">
@@ -4239,12 +4250,126 @@
           </a:p>
         </p:txBody>
       </p:sp>
+      <p:sp>
+        <p:nvSpPr>
+          <p:cNvPr id="9" name="文本框 8">
+            <a:extLst>
+              <a:ext uri="{FF2B5EF4-FFF2-40B4-BE49-F238E27FC236}">
+                <a16:creationId xmlns:a16="http://schemas.microsoft.com/office/drawing/2014/main" id="{E7F336EB-FD2F-4396-BD1C-77634B42FC0E}"/>
+              </a:ext>
+            </a:extLst>
+          </p:cNvPr>
+          <p:cNvSpPr txBox="1"/>
+          <p:nvPr/>
+        </p:nvSpPr>
+        <p:spPr>
+          <a:xfrm>
+            <a:off x="6589637" y="1468081"/>
+            <a:ext cx="2275687" cy="369332"/>
+          </a:xfrm>
+          <a:prstGeom prst="rect">
+            <a:avLst/>
+          </a:prstGeom>
+          <a:noFill/>
+        </p:spPr>
+        <p:txBody>
+          <a:bodyPr wrap="square" rtlCol="0">
+            <a:spAutoFit/>
+          </a:bodyPr>
+          <a:lstStyle/>
+          <a:p>
+            <a:r>
+              <a:rPr lang="en-US" altLang="zh-CN" dirty="0"/>
+              <a:t>Tree Graph</a:t>
+            </a:r>
+          </a:p>
+        </p:txBody>
+      </p:sp>
+      <p:sp>
+        <p:nvSpPr>
+          <p:cNvPr id="11" name="文本框 10">
+            <a:extLst>
+              <a:ext uri="{FF2B5EF4-FFF2-40B4-BE49-F238E27FC236}">
+                <a16:creationId xmlns:a16="http://schemas.microsoft.com/office/drawing/2014/main" id="{16849E44-5D85-45C8-B2BA-C2D0D9746132}"/>
+              </a:ext>
+            </a:extLst>
+          </p:cNvPr>
+          <p:cNvSpPr txBox="1"/>
+          <p:nvPr/>
+        </p:nvSpPr>
+        <p:spPr>
+          <a:xfrm>
+            <a:off x="833539" y="1468081"/>
+            <a:ext cx="4944745" cy="3046988"/>
+          </a:xfrm>
+          <a:prstGeom prst="rect">
+            <a:avLst/>
+          </a:prstGeom>
+          <a:noFill/>
+        </p:spPr>
+        <p:txBody>
+          <a:bodyPr wrap="square">
+            <a:spAutoFit/>
+          </a:bodyPr>
+          <a:lstStyle/>
+          <a:p>
+            <a:r>
+              <a:rPr lang="zh-CN" altLang="en-US" sz="2400" dirty="0"/>
+              <a:t>Through pre pruning and post pruning, the complexity of decision tree can be controlled to reduce the risk of over fitting</a:t>
+            </a:r>
+            <a:r>
+              <a:rPr lang="en-US" altLang="zh-CN" sz="2400" dirty="0"/>
+              <a:t>.</a:t>
+            </a:r>
+          </a:p>
+          <a:p>
+            <a:endParaRPr lang="en-US" altLang="zh-CN" sz="2400" dirty="0"/>
+          </a:p>
+          <a:p>
+            <a:r>
+              <a:rPr lang="en-US" altLang="zh-CN" sz="2400" dirty="0"/>
+              <a:t>We can control the depth of the tree and limit the number of leaf nodes.</a:t>
+            </a:r>
+            <a:endParaRPr lang="zh-CN" altLang="en-US" sz="2400" dirty="0"/>
+          </a:p>
+        </p:txBody>
+      </p:sp>
       <p:pic>
         <p:nvPicPr>
-          <p:cNvPr id="8" name="图片 7">
+          <p:cNvPr id="10" name="图片 9">
             <a:extLst>
               <a:ext uri="{FF2B5EF4-FFF2-40B4-BE49-F238E27FC236}">
-                <a16:creationId xmlns:a16="http://schemas.microsoft.com/office/drawing/2014/main" id="{DDA3A046-6CF7-4FF7-9281-72807F9879E9}"/>
+                <a16:creationId xmlns:a16="http://schemas.microsoft.com/office/drawing/2014/main" id="{F443692B-5B48-420B-99E4-9BF0863068A7}"/>
+              </a:ext>
+            </a:extLst>
+          </p:cNvPr>
+          <p:cNvPicPr>
+            <a:picLocks noChangeAspect="1"/>
+          </p:cNvPicPr>
+          <p:nvPr/>
+        </p:nvPicPr>
+        <p:blipFill>
+          <a:blip r:embed="rId2"/>
+          <a:stretch>
+            <a:fillRect/>
+          </a:stretch>
+        </p:blipFill>
+        <p:spPr>
+          <a:xfrm>
+            <a:off x="6062585" y="1890518"/>
+            <a:ext cx="3665808" cy="4903501"/>
+          </a:xfrm>
+          <a:prstGeom prst="rect">
+            <a:avLst/>
+          </a:prstGeom>
+        </p:spPr>
+      </p:pic>
+      <p:pic>
+        <p:nvPicPr>
+          <p:cNvPr id="13" name="图片 12">
+            <a:extLst>
+              <a:ext uri="{FF2B5EF4-FFF2-40B4-BE49-F238E27FC236}">
+                <a16:creationId xmlns:a16="http://schemas.microsoft.com/office/drawing/2014/main" id="{54B1DCB6-A1D4-417A-B48D-3349A0B074D6}"/>
               </a:ext>
             </a:extLst>
           </p:cNvPr>
@@ -4261,20 +4386,50 @@
         </p:blipFill>
         <p:spPr>
           <a:xfrm>
-            <a:off x="8943815" y="1984137"/>
-            <a:ext cx="2038726" cy="2996718"/>
+            <a:off x="8758990" y="1837413"/>
+            <a:ext cx="2473929" cy="2702107"/>
           </a:xfrm>
           <a:prstGeom prst="rect">
             <a:avLst/>
           </a:prstGeom>
         </p:spPr>
       </p:pic>
-      <p:sp>
-        <p:nvSpPr>
-          <p:cNvPr id="9" name="文本框 8">
+      <p:pic>
+        <p:nvPicPr>
+          <p:cNvPr id="4" name="图片 3">
             <a:extLst>
               <a:ext uri="{FF2B5EF4-FFF2-40B4-BE49-F238E27FC236}">
-                <a16:creationId xmlns:a16="http://schemas.microsoft.com/office/drawing/2014/main" id="{E7F336EB-FD2F-4396-BD1C-77634B42FC0E}"/>
+                <a16:creationId xmlns:a16="http://schemas.microsoft.com/office/drawing/2014/main" id="{076FF74D-B436-4330-AB98-EA442B3019D3}"/>
+              </a:ext>
+            </a:extLst>
+          </p:cNvPr>
+          <p:cNvPicPr>
+            <a:picLocks noChangeAspect="1"/>
+          </p:cNvPicPr>
+          <p:nvPr/>
+        </p:nvPicPr>
+        <p:blipFill>
+          <a:blip r:embed="rId4"/>
+          <a:stretch>
+            <a:fillRect/>
+          </a:stretch>
+        </p:blipFill>
+        <p:spPr>
+          <a:xfrm>
+            <a:off x="1076289" y="4862774"/>
+            <a:ext cx="3356876" cy="1872577"/>
+          </a:xfrm>
+          <a:prstGeom prst="rect">
+            <a:avLst/>
+          </a:prstGeom>
+        </p:spPr>
+      </p:pic>
+      <p:sp>
+        <p:nvSpPr>
+          <p:cNvPr id="12" name="文本框 11">
+            <a:extLst>
+              <a:ext uri="{FF2B5EF4-FFF2-40B4-BE49-F238E27FC236}">
+                <a16:creationId xmlns:a16="http://schemas.microsoft.com/office/drawing/2014/main" id="{7FD31207-0C00-4FB3-B9A1-D8F0A5D3E6C4}"/>
               </a:ext>
             </a:extLst>
           </p:cNvPr>
@@ -4283,8 +4438,8 @@
         </p:nvSpPr>
         <p:spPr>
           <a:xfrm>
-            <a:off x="6589637" y="1468081"/>
-            <a:ext cx="2275687" cy="369332"/>
+            <a:off x="1919896" y="4489866"/>
+            <a:ext cx="6094854" cy="369332"/>
           </a:xfrm>
           <a:prstGeom prst="rect">
             <a:avLst/>
@@ -4292,64 +4447,22 @@
           <a:noFill/>
         </p:spPr>
         <p:txBody>
-          <a:bodyPr wrap="square" rtlCol="0">
-            <a:spAutoFit/>
-          </a:bodyPr>
-          <a:lstStyle/>
-          <a:p>
-            <a:r>
-              <a:rPr lang="en-US" altLang="zh-CN" dirty="0"/>
-              <a:t>Tree Graph</a:t>
-            </a:r>
-          </a:p>
-        </p:txBody>
-      </p:sp>
-      <p:sp>
-        <p:nvSpPr>
-          <p:cNvPr id="11" name="文本框 10">
-            <a:extLst>
-              <a:ext uri="{FF2B5EF4-FFF2-40B4-BE49-F238E27FC236}">
-                <a16:creationId xmlns:a16="http://schemas.microsoft.com/office/drawing/2014/main" id="{16849E44-5D85-45C8-B2BA-C2D0D9746132}"/>
-              </a:ext>
-            </a:extLst>
-          </p:cNvPr>
-          <p:cNvSpPr txBox="1"/>
-          <p:nvPr/>
-        </p:nvSpPr>
-        <p:spPr>
-          <a:xfrm>
-            <a:off x="837288" y="1743787"/>
-            <a:ext cx="4552859" cy="3046988"/>
-          </a:xfrm>
-          <a:prstGeom prst="rect">
-            <a:avLst/>
-          </a:prstGeom>
-          <a:noFill/>
-        </p:spPr>
-        <p:txBody>
           <a:bodyPr wrap="square">
             <a:spAutoFit/>
           </a:bodyPr>
           <a:lstStyle/>
           <a:p>
-            <a:r>
-              <a:rPr lang="zh-CN" altLang="en-US" sz="2400" dirty="0"/>
-              <a:t>Through pre pruning and post pruning, the complexity of decision tree can be controlled to reduce the risk of over fitting</a:t>
-            </a:r>
-            <a:r>
-              <a:rPr lang="en-US" altLang="zh-CN" sz="2400" dirty="0"/>
-              <a:t>.</a:t>
-            </a:r>
-          </a:p>
-          <a:p>
-            <a:endParaRPr lang="en-US" altLang="zh-CN" sz="2400" dirty="0"/>
-          </a:p>
-          <a:p>
-            <a:r>
-              <a:rPr lang="en-US" altLang="zh-CN" sz="2400" dirty="0"/>
-              <a:t>We can control the depth of the tree and limit the number of leaf nodes.</a:t>
-            </a:r>
-            <a:endParaRPr lang="zh-CN" altLang="en-US" sz="2400" dirty="0"/>
+            <a:pPr algn="l"/>
+            <a:r>
+              <a:rPr lang="en-US" altLang="zh-CN" b="1" i="0" dirty="0">
+                <a:solidFill>
+                  <a:srgbClr val="000000"/>
+                </a:solidFill>
+                <a:effectLst/>
+                <a:latin typeface="Helvetica Neue"/>
+              </a:rPr>
+              <a:t>Feature Importance</a:t>
+            </a:r>
           </a:p>
         </p:txBody>
       </p:sp>
@@ -4476,10 +4589,10 @@
       </p:sp>
       <p:pic>
         <p:nvPicPr>
-          <p:cNvPr id="8" name="图片 7">
+          <p:cNvPr id="4" name="图片 3">
             <a:extLst>
               <a:ext uri="{FF2B5EF4-FFF2-40B4-BE49-F238E27FC236}">
-                <a16:creationId xmlns:a16="http://schemas.microsoft.com/office/drawing/2014/main" id="{256A3DEE-D5E6-4529-9064-813FA1E9132A}"/>
+                <a16:creationId xmlns:a16="http://schemas.microsoft.com/office/drawing/2014/main" id="{ACC158D9-9F87-4858-87D6-CCA6634FE1BB}"/>
               </a:ext>
             </a:extLst>
           </p:cNvPr>
@@ -4496,8 +4609,8 @@
         </p:blipFill>
         <p:spPr>
           <a:xfrm>
-            <a:off x="1150161" y="2725743"/>
-            <a:ext cx="7622579" cy="3624185"/>
+            <a:off x="964531" y="2748087"/>
+            <a:ext cx="7251319" cy="3459524"/>
           </a:xfrm>
           <a:prstGeom prst="rect">
             <a:avLst/>
@@ -4565,10 +4678,10 @@
       </p:sp>
       <p:pic>
         <p:nvPicPr>
-          <p:cNvPr id="9" name="图片 8">
+          <p:cNvPr id="4" name="图片 3">
             <a:extLst>
               <a:ext uri="{FF2B5EF4-FFF2-40B4-BE49-F238E27FC236}">
-                <a16:creationId xmlns:a16="http://schemas.microsoft.com/office/drawing/2014/main" id="{CB959C7C-4C3D-4EBF-B840-7D0FA6DD6E9D}"/>
+                <a16:creationId xmlns:a16="http://schemas.microsoft.com/office/drawing/2014/main" id="{5E29563E-68FB-4379-B7EE-A53FDBD51333}"/>
               </a:ext>
             </a:extLst>
           </p:cNvPr>
@@ -4585,8 +4698,8 @@
         </p:blipFill>
         <p:spPr>
           <a:xfrm>
-            <a:off x="955650" y="1690688"/>
-            <a:ext cx="8566485" cy="4713009"/>
+            <a:off x="1162910" y="1517930"/>
+            <a:ext cx="8867990" cy="4770146"/>
           </a:xfrm>
           <a:prstGeom prst="rect">
             <a:avLst/>
@@ -4684,7 +4797,13 @@
               <a:buNone/>
             </a:pPr>
             <a:r>
-              <a:rPr lang="en-US" altLang="zh-CN" sz="3200" b="1" dirty="0"/>
+              <a:rPr lang="en-US" altLang="zh-CN" sz="3200" b="1" dirty="0">
+                <a:solidFill>
+                  <a:schemeClr val="bg1">
+                    <a:lumMod val="50000"/>
+                  </a:schemeClr>
+                </a:solidFill>
+              </a:rPr>
               <a:t>Nearest Neighbors</a:t>
             </a:r>
           </a:p>
@@ -4693,7 +4812,13 @@
               <a:buNone/>
             </a:pPr>
             <a:r>
-              <a:rPr lang="en-US" altLang="zh-CN" sz="2500" dirty="0"/>
+              <a:rPr lang="en-US" altLang="zh-CN" sz="2500" dirty="0">
+                <a:solidFill>
+                  <a:schemeClr val="bg1">
+                    <a:lumMod val="50000"/>
+                  </a:schemeClr>
+                </a:solidFill>
+              </a:rPr>
               <a:t>Suitable for small data sets, it is a good standard model and easy to explain.</a:t>
             </a:r>
           </a:p>
@@ -4702,7 +4827,13 @@
               <a:buNone/>
             </a:pPr>
             <a:r>
-              <a:rPr lang="en-US" altLang="zh-CN" sz="3200" b="1" dirty="0"/>
+              <a:rPr lang="en-US" altLang="zh-CN" sz="3200" b="1" dirty="0">
+                <a:solidFill>
+                  <a:schemeClr val="bg1">
+                    <a:lumMod val="50000"/>
+                  </a:schemeClr>
+                </a:solidFill>
+              </a:rPr>
               <a:t>Linear Models</a:t>
             </a:r>
           </a:p>
@@ -4711,7 +4842,13 @@
               <a:buNone/>
             </a:pPr>
             <a:r>
-              <a:rPr lang="en-US" altLang="zh-CN" sz="2500" dirty="0"/>
+              <a:rPr lang="en-US" altLang="zh-CN" sz="2500" dirty="0">
+                <a:solidFill>
+                  <a:schemeClr val="bg1">
+                    <a:lumMod val="50000"/>
+                  </a:schemeClr>
+                </a:solidFill>
+              </a:rPr>
               <a:t>Very reliable preferred algorithm, suitable for very large data sets and high-dimensional data.</a:t>
             </a:r>
           </a:p>
@@ -4720,7 +4857,13 @@
               <a:buNone/>
             </a:pPr>
             <a:r>
-              <a:rPr lang="en-US" altLang="zh-CN" sz="3200" b="1" dirty="0"/>
+              <a:rPr lang="en-US" altLang="zh-CN" sz="3200" b="1" dirty="0">
+                <a:solidFill>
+                  <a:schemeClr val="bg1">
+                    <a:lumMod val="50000"/>
+                  </a:schemeClr>
+                </a:solidFill>
+              </a:rPr>
               <a:t>Naive Bayes</a:t>
             </a:r>
           </a:p>
@@ -4729,7 +4872,13 @@
               <a:buNone/>
             </a:pPr>
             <a:r>
-              <a:rPr lang="en-US" altLang="zh-CN" sz="2500" dirty="0"/>
+              <a:rPr lang="en-US" altLang="zh-CN" sz="2500" dirty="0">
+                <a:solidFill>
+                  <a:schemeClr val="bg1">
+                    <a:lumMod val="50000"/>
+                  </a:schemeClr>
+                </a:solidFill>
+              </a:rPr>
               <a:t>It is only applicable to classification problems. It is faster and wider than the linear model. It is applicable to very large data sets and high-dimensional data. The accuracy is usually lower than the linear model.</a:t>
             </a:r>
           </a:p>
@@ -4797,7 +4946,13 @@
               <a:buNone/>
             </a:pPr>
             <a:r>
-              <a:rPr lang="en-US" altLang="zh-CN" sz="3200" b="1" dirty="0"/>
+              <a:rPr lang="en-US" altLang="zh-CN" sz="3200" b="1" dirty="0">
+                <a:solidFill>
+                  <a:schemeClr val="bg1">
+                    <a:lumMod val="50000"/>
+                  </a:schemeClr>
+                </a:solidFill>
+              </a:rPr>
               <a:t>Support Vector Machines</a:t>
             </a:r>
           </a:p>
@@ -4806,10 +4961,22 @@
               <a:buNone/>
             </a:pPr>
             <a:r>
-              <a:rPr lang="en-US" altLang="zh-CN" sz="2500" dirty="0"/>
+              <a:rPr lang="en-US" altLang="zh-CN" sz="2500" dirty="0">
+                <a:solidFill>
+                  <a:schemeClr val="bg1">
+                    <a:lumMod val="50000"/>
+                  </a:schemeClr>
+                </a:solidFill>
+              </a:rPr>
               <a:t>It is powerful for medium-sized data sets with similar feature meanings. It requires data scaling and is sensitive to parameters.</a:t>
             </a:r>
-            <a:endParaRPr lang="zh-CN" altLang="en-US" dirty="0"/>
+            <a:endParaRPr lang="zh-CN" altLang="en-US" dirty="0">
+              <a:solidFill>
+                <a:schemeClr val="bg1">
+                  <a:lumMod val="50000"/>
+                </a:schemeClr>
+              </a:solidFill>
+            </a:endParaRPr>
           </a:p>
         </p:txBody>
       </p:sp>
@@ -5609,10 +5776,10 @@
       </p:sp>
       <p:pic>
         <p:nvPicPr>
-          <p:cNvPr id="11" name="图片 10">
+          <p:cNvPr id="4" name="图片 3">
             <a:extLst>
               <a:ext uri="{FF2B5EF4-FFF2-40B4-BE49-F238E27FC236}">
-                <a16:creationId xmlns:a16="http://schemas.microsoft.com/office/drawing/2014/main" id="{92D5D40E-0446-4F3D-93C7-55D67582ED33}"/>
+                <a16:creationId xmlns:a16="http://schemas.microsoft.com/office/drawing/2014/main" id="{C4996B64-FF9E-40BE-AFA3-8A7BF8C936BB}"/>
               </a:ext>
             </a:extLst>
           </p:cNvPr>
@@ -5635,8 +5802,8 @@
         </p:blipFill>
         <p:spPr>
           <a:xfrm>
-            <a:off x="6471564" y="1093155"/>
-            <a:ext cx="5576718" cy="5304208"/>
+            <a:off x="6543462" y="1316787"/>
+            <a:ext cx="5366021" cy="5108264"/>
           </a:xfrm>
           <a:prstGeom prst="rect">
             <a:avLst/>
